--- a/baekjoon/b14906/b14906.pptx
+++ b/baekjoon/b14906/b14906.pptx
@@ -3980,7 +3980,7 @@
         </p:nvSpPr>
         <p:spPr>
           <a:xfrm>
-            <a:off x="682483" y="1838753"/>
+            <a:off x="682483" y="1786366"/>
             <a:ext cx="64120" cy="153888"/>
           </a:xfrm>
           <a:prstGeom prst="rect">
@@ -4083,6 +4083,755 @@
             <a:r>
               <a:rPr lang="en-US" sz="1000"/>
               <a:t>D,E</a:t>
+            </a:r>
+            <a:endParaRPr lang="en-KR" sz="1000" dirty="0"/>
+          </a:p>
+        </p:txBody>
+      </p:sp>
+      <p:sp>
+        <p:nvSpPr>
+          <p:cNvPr id="54" name="Oval 53">
+            <a:extLst>
+              <a:ext uri="{FF2B5EF4-FFF2-40B4-BE49-F238E27FC236}">
+                <a16:creationId xmlns:a16="http://schemas.microsoft.com/office/drawing/2014/main" id="{67A9A0C2-F93B-FFFE-487A-604C0F3AEE54}"/>
+              </a:ext>
+            </a:extLst>
+          </p:cNvPr>
+          <p:cNvSpPr/>
+          <p:nvPr/>
+        </p:nvSpPr>
+        <p:spPr>
+          <a:xfrm>
+            <a:off x="3039178" y="919239"/>
+            <a:ext cx="255739" cy="253441"/>
+          </a:xfrm>
+          <a:prstGeom prst="ellipse">
+            <a:avLst/>
+          </a:prstGeom>
+          <a:ln w="6350"/>
+        </p:spPr>
+        <p:style>
+          <a:lnRef idx="2">
+            <a:schemeClr val="dk1"/>
+          </a:lnRef>
+          <a:fillRef idx="1">
+            <a:schemeClr val="lt1"/>
+          </a:fillRef>
+          <a:effectRef idx="0">
+            <a:schemeClr val="dk1"/>
+          </a:effectRef>
+          <a:fontRef idx="minor">
+            <a:schemeClr val="dk1"/>
+          </a:fontRef>
+        </p:style>
+        <p:txBody>
+          <a:bodyPr rtlCol="0" anchor="ctr"/>
+          <a:lstStyle/>
+          <a:p>
+            <a:pPr algn="ctr"/>
+            <a:r>
+              <a:rPr lang="en-US" sz="1000"/>
+              <a:t>1</a:t>
+            </a:r>
+            <a:endParaRPr lang="en-KR" sz="1000" dirty="0"/>
+          </a:p>
+        </p:txBody>
+      </p:sp>
+      <p:sp>
+        <p:nvSpPr>
+          <p:cNvPr id="55" name="Oval 54">
+            <a:extLst>
+              <a:ext uri="{FF2B5EF4-FFF2-40B4-BE49-F238E27FC236}">
+                <a16:creationId xmlns:a16="http://schemas.microsoft.com/office/drawing/2014/main" id="{12D157FD-89F9-B5BC-31A4-50D0915929DA}"/>
+              </a:ext>
+            </a:extLst>
+          </p:cNvPr>
+          <p:cNvSpPr/>
+          <p:nvPr/>
+        </p:nvSpPr>
+        <p:spPr>
+          <a:xfrm>
+            <a:off x="3039178" y="362482"/>
+            <a:ext cx="255739" cy="253441"/>
+          </a:xfrm>
+          <a:prstGeom prst="ellipse">
+            <a:avLst/>
+          </a:prstGeom>
+          <a:ln w="6350"/>
+        </p:spPr>
+        <p:style>
+          <a:lnRef idx="2">
+            <a:schemeClr val="dk1"/>
+          </a:lnRef>
+          <a:fillRef idx="1">
+            <a:schemeClr val="lt1"/>
+          </a:fillRef>
+          <a:effectRef idx="0">
+            <a:schemeClr val="dk1"/>
+          </a:effectRef>
+          <a:fontRef idx="minor">
+            <a:schemeClr val="dk1"/>
+          </a:fontRef>
+        </p:style>
+        <p:txBody>
+          <a:bodyPr rtlCol="0" anchor="ctr"/>
+          <a:lstStyle/>
+          <a:p>
+            <a:pPr algn="ctr"/>
+            <a:r>
+              <a:rPr lang="en-US" sz="1000"/>
+              <a:t>0</a:t>
+            </a:r>
+            <a:endParaRPr lang="en-KR" sz="1000" dirty="0"/>
+          </a:p>
+        </p:txBody>
+      </p:sp>
+      <p:sp>
+        <p:nvSpPr>
+          <p:cNvPr id="56" name="TextBox 55">
+            <a:extLst>
+              <a:ext uri="{FF2B5EF4-FFF2-40B4-BE49-F238E27FC236}">
+                <a16:creationId xmlns:a16="http://schemas.microsoft.com/office/drawing/2014/main" id="{FD6AD41D-3CFA-BE13-04A5-05C16BCABC1F}"/>
+              </a:ext>
+            </a:extLst>
+          </p:cNvPr>
+          <p:cNvSpPr txBox="1"/>
+          <p:nvPr/>
+        </p:nvSpPr>
+        <p:spPr>
+          <a:xfrm>
+            <a:off x="3224385" y="690637"/>
+            <a:ext cx="84960" cy="153888"/>
+          </a:xfrm>
+          <a:prstGeom prst="rect">
+            <a:avLst/>
+          </a:prstGeom>
+          <a:noFill/>
+        </p:spPr>
+        <p:txBody>
+          <a:bodyPr wrap="none" lIns="0" tIns="0" rIns="0" bIns="0" rtlCol="0">
+            <a:spAutoFit/>
+          </a:bodyPr>
+          <a:lstStyle/>
+          <a:p>
+            <a:r>
+              <a:rPr lang="en-US" sz="1000"/>
+              <a:t>A</a:t>
+            </a:r>
+            <a:endParaRPr lang="en-KR" sz="1000" dirty="0"/>
+          </a:p>
+        </p:txBody>
+      </p:sp>
+      <p:cxnSp>
+        <p:nvCxnSpPr>
+          <p:cNvPr id="57" name="Straight Connector 56">
+            <a:extLst>
+              <a:ext uri="{FF2B5EF4-FFF2-40B4-BE49-F238E27FC236}">
+                <a16:creationId xmlns:a16="http://schemas.microsoft.com/office/drawing/2014/main" id="{F96D454D-7D01-5C9D-DFAB-3FA82DB60DBD}"/>
+              </a:ext>
+            </a:extLst>
+          </p:cNvPr>
+          <p:cNvCxnSpPr>
+            <a:cxnSpLocks/>
+            <a:stCxn id="55" idx="4"/>
+            <a:endCxn id="54" idx="0"/>
+          </p:cNvCxnSpPr>
+          <p:nvPr/>
+        </p:nvCxnSpPr>
+        <p:spPr>
+          <a:xfrm>
+            <a:off x="3167048" y="615923"/>
+            <a:ext cx="0" cy="303316"/>
+          </a:xfrm>
+          <a:prstGeom prst="line">
+            <a:avLst/>
+          </a:prstGeom>
+          <a:ln w="6350">
+            <a:solidFill>
+              <a:srgbClr val="FF0000"/>
+            </a:solidFill>
+            <a:headEnd w="sm" len="sm"/>
+            <a:tailEnd type="arrow" w="sm" len="sm"/>
+          </a:ln>
+        </p:spPr>
+        <p:style>
+          <a:lnRef idx="2">
+            <a:schemeClr val="accent1"/>
+          </a:lnRef>
+          <a:fillRef idx="0">
+            <a:schemeClr val="accent1"/>
+          </a:fillRef>
+          <a:effectRef idx="1">
+            <a:schemeClr val="accent1"/>
+          </a:effectRef>
+          <a:fontRef idx="minor">
+            <a:schemeClr val="tx1"/>
+          </a:fontRef>
+        </p:style>
+      </p:cxnSp>
+      <p:sp>
+        <p:nvSpPr>
+          <p:cNvPr id="58" name="Oval 57">
+            <a:extLst>
+              <a:ext uri="{FF2B5EF4-FFF2-40B4-BE49-F238E27FC236}">
+                <a16:creationId xmlns:a16="http://schemas.microsoft.com/office/drawing/2014/main" id="{132B8D33-D6DB-9ED1-2705-AA917631C0E9}"/>
+              </a:ext>
+            </a:extLst>
+          </p:cNvPr>
+          <p:cNvSpPr/>
+          <p:nvPr/>
+        </p:nvSpPr>
+        <p:spPr>
+          <a:xfrm>
+            <a:off x="3915136" y="910916"/>
+            <a:ext cx="255739" cy="253441"/>
+          </a:xfrm>
+          <a:prstGeom prst="ellipse">
+            <a:avLst/>
+          </a:prstGeom>
+          <a:solidFill>
+            <a:schemeClr val="accent3">
+              <a:lumMod val="20000"/>
+              <a:lumOff val="80000"/>
+            </a:schemeClr>
+          </a:solidFill>
+          <a:ln w="6350"/>
+        </p:spPr>
+        <p:style>
+          <a:lnRef idx="2">
+            <a:schemeClr val="dk1"/>
+          </a:lnRef>
+          <a:fillRef idx="1">
+            <a:schemeClr val="lt1"/>
+          </a:fillRef>
+          <a:effectRef idx="0">
+            <a:schemeClr val="dk1"/>
+          </a:effectRef>
+          <a:fontRef idx="minor">
+            <a:schemeClr val="dk1"/>
+          </a:fontRef>
+        </p:style>
+        <p:txBody>
+          <a:bodyPr rtlCol="0" anchor="ctr"/>
+          <a:lstStyle/>
+          <a:p>
+            <a:pPr algn="ctr"/>
+            <a:r>
+              <a:rPr lang="en-US" sz="1000"/>
+              <a:t>5</a:t>
+            </a:r>
+            <a:endParaRPr lang="en-KR" sz="1000" dirty="0"/>
+          </a:p>
+        </p:txBody>
+      </p:sp>
+      <p:cxnSp>
+        <p:nvCxnSpPr>
+          <p:cNvPr id="59" name="Straight Connector 58">
+            <a:extLst>
+              <a:ext uri="{FF2B5EF4-FFF2-40B4-BE49-F238E27FC236}">
+                <a16:creationId xmlns:a16="http://schemas.microsoft.com/office/drawing/2014/main" id="{A82EE56C-FD6D-C511-71CD-D3DB6EBD5E19}"/>
+              </a:ext>
+            </a:extLst>
+          </p:cNvPr>
+          <p:cNvCxnSpPr>
+            <a:cxnSpLocks/>
+            <a:stCxn id="54" idx="6"/>
+            <a:endCxn id="58" idx="2"/>
+          </p:cNvCxnSpPr>
+          <p:nvPr/>
+        </p:nvCxnSpPr>
+        <p:spPr>
+          <a:xfrm flipV="1">
+            <a:off x="3294917" y="1037637"/>
+            <a:ext cx="620219" cy="8323"/>
+          </a:xfrm>
+          <a:prstGeom prst="line">
+            <a:avLst/>
+          </a:prstGeom>
+          <a:ln w="6350">
+            <a:solidFill>
+              <a:srgbClr val="FF0000"/>
+            </a:solidFill>
+            <a:headEnd w="sm" len="sm"/>
+            <a:tailEnd type="arrow" w="sm" len="sm"/>
+          </a:ln>
+        </p:spPr>
+        <p:style>
+          <a:lnRef idx="2">
+            <a:schemeClr val="accent1"/>
+          </a:lnRef>
+          <a:fillRef idx="0">
+            <a:schemeClr val="accent1"/>
+          </a:fillRef>
+          <a:effectRef idx="1">
+            <a:schemeClr val="accent1"/>
+          </a:effectRef>
+          <a:fontRef idx="minor">
+            <a:schemeClr val="tx1"/>
+          </a:fontRef>
+        </p:style>
+      </p:cxnSp>
+      <p:sp>
+        <p:nvSpPr>
+          <p:cNvPr id="60" name="TextBox 59">
+            <a:extLst>
+              <a:ext uri="{FF2B5EF4-FFF2-40B4-BE49-F238E27FC236}">
+                <a16:creationId xmlns:a16="http://schemas.microsoft.com/office/drawing/2014/main" id="{DB451D8E-1B56-642F-B01D-A3E14D118E6A}"/>
+              </a:ext>
+            </a:extLst>
+          </p:cNvPr>
+          <p:cNvSpPr txBox="1"/>
+          <p:nvPr/>
+        </p:nvSpPr>
+        <p:spPr>
+          <a:xfrm>
+            <a:off x="3585973" y="870620"/>
+            <a:ext cx="92974" cy="153888"/>
+          </a:xfrm>
+          <a:prstGeom prst="rect">
+            <a:avLst/>
+          </a:prstGeom>
+          <a:noFill/>
+        </p:spPr>
+        <p:txBody>
+          <a:bodyPr wrap="none" lIns="0" tIns="0" rIns="0" bIns="0" rtlCol="0">
+            <a:spAutoFit/>
+          </a:bodyPr>
+          <a:lstStyle/>
+          <a:p>
+            <a:r>
+              <a:rPr lang="en-US" sz="1000"/>
+              <a:t>H</a:t>
+            </a:r>
+            <a:endParaRPr lang="en-KR" sz="1000" dirty="0"/>
+          </a:p>
+        </p:txBody>
+      </p:sp>
+      <p:cxnSp>
+        <p:nvCxnSpPr>
+          <p:cNvPr id="62" name="Straight Connector 23">
+            <a:extLst>
+              <a:ext uri="{FF2B5EF4-FFF2-40B4-BE49-F238E27FC236}">
+                <a16:creationId xmlns:a16="http://schemas.microsoft.com/office/drawing/2014/main" id="{59B3647A-A08C-924F-E488-DE2472E3FA03}"/>
+              </a:ext>
+            </a:extLst>
+          </p:cNvPr>
+          <p:cNvCxnSpPr>
+            <a:cxnSpLocks/>
+            <a:stCxn id="54" idx="5"/>
+            <a:endCxn id="119" idx="2"/>
+          </p:cNvCxnSpPr>
+          <p:nvPr/>
+        </p:nvCxnSpPr>
+        <p:spPr>
+          <a:xfrm>
+            <a:off x="3257465" y="1135564"/>
+            <a:ext cx="187090" cy="289675"/>
+          </a:xfrm>
+          <a:prstGeom prst="straightConnector1">
+            <a:avLst/>
+          </a:prstGeom>
+          <a:ln w="6350">
+            <a:solidFill>
+              <a:srgbClr val="FF0000"/>
+            </a:solidFill>
+            <a:headEnd w="sm" len="sm"/>
+            <a:tailEnd type="arrow" w="sm" len="sm"/>
+          </a:ln>
+        </p:spPr>
+        <p:style>
+          <a:lnRef idx="2">
+            <a:schemeClr val="accent1"/>
+          </a:lnRef>
+          <a:fillRef idx="0">
+            <a:schemeClr val="accent1"/>
+          </a:fillRef>
+          <a:effectRef idx="1">
+            <a:schemeClr val="accent1"/>
+          </a:effectRef>
+          <a:fontRef idx="minor">
+            <a:schemeClr val="tx1"/>
+          </a:fontRef>
+        </p:style>
+      </p:cxnSp>
+      <p:sp>
+        <p:nvSpPr>
+          <p:cNvPr id="85" name="TextBox 84">
+            <a:extLst>
+              <a:ext uri="{FF2B5EF4-FFF2-40B4-BE49-F238E27FC236}">
+                <a16:creationId xmlns:a16="http://schemas.microsoft.com/office/drawing/2014/main" id="{E5AE6FE2-2B61-CD90-E20F-942E6ABA0EB4}"/>
+              </a:ext>
+            </a:extLst>
+          </p:cNvPr>
+          <p:cNvSpPr txBox="1"/>
+          <p:nvPr/>
+        </p:nvSpPr>
+        <p:spPr>
+          <a:xfrm>
+            <a:off x="3164491" y="1261515"/>
+            <a:ext cx="185948" cy="153888"/>
+          </a:xfrm>
+          <a:prstGeom prst="rect">
+            <a:avLst/>
+          </a:prstGeom>
+          <a:noFill/>
+        </p:spPr>
+        <p:txBody>
+          <a:bodyPr wrap="none" lIns="0" tIns="0" rIns="0" bIns="0" rtlCol="0">
+            <a:spAutoFit/>
+          </a:bodyPr>
+          <a:lstStyle/>
+          <a:p>
+            <a:r>
+              <a:rPr lang="en-US" sz="1000"/>
+              <a:t>F( )</a:t>
+            </a:r>
+            <a:endParaRPr lang="en-KR" sz="1000" dirty="0"/>
+          </a:p>
+        </p:txBody>
+      </p:sp>
+      <p:sp>
+        <p:nvSpPr>
+          <p:cNvPr id="119" name="Oval 118">
+            <a:extLst>
+              <a:ext uri="{FF2B5EF4-FFF2-40B4-BE49-F238E27FC236}">
+                <a16:creationId xmlns:a16="http://schemas.microsoft.com/office/drawing/2014/main" id="{092DB0C2-B7F0-6372-69CA-BC082DAAF62B}"/>
+              </a:ext>
+            </a:extLst>
+          </p:cNvPr>
+          <p:cNvSpPr/>
+          <p:nvPr/>
+        </p:nvSpPr>
+        <p:spPr>
+          <a:xfrm>
+            <a:off x="3444555" y="1298518"/>
+            <a:ext cx="255739" cy="253441"/>
+          </a:xfrm>
+          <a:prstGeom prst="ellipse">
+            <a:avLst/>
+          </a:prstGeom>
+          <a:ln w="6350"/>
+        </p:spPr>
+        <p:style>
+          <a:lnRef idx="2">
+            <a:schemeClr val="dk1"/>
+          </a:lnRef>
+          <a:fillRef idx="1">
+            <a:schemeClr val="lt1"/>
+          </a:fillRef>
+          <a:effectRef idx="0">
+            <a:schemeClr val="dk1"/>
+          </a:effectRef>
+          <a:fontRef idx="minor">
+            <a:schemeClr val="dk1"/>
+          </a:fontRef>
+        </p:style>
+        <p:txBody>
+          <a:bodyPr rtlCol="0" anchor="ctr"/>
+          <a:lstStyle/>
+          <a:p>
+            <a:pPr algn="ctr"/>
+            <a:r>
+              <a:rPr lang="en-US" sz="1000"/>
+              <a:t>2</a:t>
+            </a:r>
+            <a:endParaRPr lang="en-KR" sz="1000" dirty="0"/>
+          </a:p>
+        </p:txBody>
+      </p:sp>
+      <p:cxnSp>
+        <p:nvCxnSpPr>
+          <p:cNvPr id="124" name="Straight Connector 23">
+            <a:extLst>
+              <a:ext uri="{FF2B5EF4-FFF2-40B4-BE49-F238E27FC236}">
+                <a16:creationId xmlns:a16="http://schemas.microsoft.com/office/drawing/2014/main" id="{38980373-E168-6B3C-F166-DAF40708A1D2}"/>
+              </a:ext>
+            </a:extLst>
+          </p:cNvPr>
+          <p:cNvCxnSpPr>
+            <a:cxnSpLocks/>
+            <a:stCxn id="119" idx="6"/>
+            <a:endCxn id="58" idx="3"/>
+          </p:cNvCxnSpPr>
+          <p:nvPr/>
+        </p:nvCxnSpPr>
+        <p:spPr>
+          <a:xfrm flipV="1">
+            <a:off x="3700294" y="1127241"/>
+            <a:ext cx="252294" cy="297998"/>
+          </a:xfrm>
+          <a:prstGeom prst="straightConnector1">
+            <a:avLst/>
+          </a:prstGeom>
+          <a:ln w="6350">
+            <a:solidFill>
+              <a:srgbClr val="FF0000"/>
+            </a:solidFill>
+            <a:headEnd w="sm" len="sm"/>
+            <a:tailEnd type="arrow" w="sm" len="sm"/>
+          </a:ln>
+        </p:spPr>
+        <p:style>
+          <a:lnRef idx="2">
+            <a:schemeClr val="accent1"/>
+          </a:lnRef>
+          <a:fillRef idx="0">
+            <a:schemeClr val="accent1"/>
+          </a:fillRef>
+          <a:effectRef idx="1">
+            <a:schemeClr val="accent1"/>
+          </a:effectRef>
+          <a:fontRef idx="minor">
+            <a:schemeClr val="tx1"/>
+          </a:fontRef>
+        </p:style>
+      </p:cxnSp>
+      <p:sp>
+        <p:nvSpPr>
+          <p:cNvPr id="127" name="TextBox 126">
+            <a:extLst>
+              <a:ext uri="{FF2B5EF4-FFF2-40B4-BE49-F238E27FC236}">
+                <a16:creationId xmlns:a16="http://schemas.microsoft.com/office/drawing/2014/main" id="{E8D71F78-C39C-3ED6-335B-5A48357F869F}"/>
+              </a:ext>
+            </a:extLst>
+          </p:cNvPr>
+          <p:cNvSpPr txBox="1"/>
+          <p:nvPr/>
+        </p:nvSpPr>
+        <p:spPr>
+          <a:xfrm>
+            <a:off x="3859614" y="1259915"/>
+            <a:ext cx="81754" cy="153888"/>
+          </a:xfrm>
+          <a:prstGeom prst="rect">
+            <a:avLst/>
+          </a:prstGeom>
+          <a:noFill/>
+        </p:spPr>
+        <p:txBody>
+          <a:bodyPr wrap="none" lIns="0" tIns="0" rIns="0" bIns="0" rtlCol="0">
+            <a:spAutoFit/>
+          </a:bodyPr>
+          <a:lstStyle/>
+          <a:p>
+            <a:r>
+              <a:rPr lang="en-US" sz="1000"/>
+              <a:t>C</a:t>
+            </a:r>
+            <a:endParaRPr lang="en-KR" sz="1000" dirty="0"/>
+          </a:p>
+        </p:txBody>
+      </p:sp>
+      <p:sp>
+        <p:nvSpPr>
+          <p:cNvPr id="130" name="Oval 129">
+            <a:extLst>
+              <a:ext uri="{FF2B5EF4-FFF2-40B4-BE49-F238E27FC236}">
+                <a16:creationId xmlns:a16="http://schemas.microsoft.com/office/drawing/2014/main" id="{E55350EB-6CBE-E947-E4EB-E2A1B7893052}"/>
+              </a:ext>
+            </a:extLst>
+          </p:cNvPr>
+          <p:cNvSpPr/>
+          <p:nvPr/>
+        </p:nvSpPr>
+        <p:spPr>
+          <a:xfrm>
+            <a:off x="2783439" y="1609869"/>
+            <a:ext cx="255739" cy="253441"/>
+          </a:xfrm>
+          <a:prstGeom prst="ellipse">
+            <a:avLst/>
+          </a:prstGeom>
+          <a:ln w="6350"/>
+        </p:spPr>
+        <p:style>
+          <a:lnRef idx="2">
+            <a:schemeClr val="dk1"/>
+          </a:lnRef>
+          <a:fillRef idx="1">
+            <a:schemeClr val="lt1"/>
+          </a:fillRef>
+          <a:effectRef idx="0">
+            <a:schemeClr val="dk1"/>
+          </a:effectRef>
+          <a:fontRef idx="minor">
+            <a:schemeClr val="dk1"/>
+          </a:fontRef>
+        </p:style>
+        <p:txBody>
+          <a:bodyPr rtlCol="0" anchor="ctr"/>
+          <a:lstStyle/>
+          <a:p>
+            <a:pPr algn="ctr"/>
+            <a:r>
+              <a:rPr lang="en-US" sz="1000"/>
+              <a:t>3</a:t>
+            </a:r>
+            <a:endParaRPr lang="en-KR" sz="1000" dirty="0"/>
+          </a:p>
+        </p:txBody>
+      </p:sp>
+      <p:cxnSp>
+        <p:nvCxnSpPr>
+          <p:cNvPr id="131" name="Straight Connector 23">
+            <a:extLst>
+              <a:ext uri="{FF2B5EF4-FFF2-40B4-BE49-F238E27FC236}">
+                <a16:creationId xmlns:a16="http://schemas.microsoft.com/office/drawing/2014/main" id="{102B292E-B065-F4C8-5DC6-2DC936DDD219}"/>
+              </a:ext>
+            </a:extLst>
+          </p:cNvPr>
+          <p:cNvCxnSpPr>
+            <a:cxnSpLocks/>
+            <a:stCxn id="54" idx="3"/>
+            <a:endCxn id="130" idx="0"/>
+          </p:cNvCxnSpPr>
+          <p:nvPr/>
+        </p:nvCxnSpPr>
+        <p:spPr>
+          <a:xfrm flipH="1">
+            <a:off x="2911309" y="1135564"/>
+            <a:ext cx="165321" cy="474305"/>
+          </a:xfrm>
+          <a:prstGeom prst="straightConnector1">
+            <a:avLst/>
+          </a:prstGeom>
+          <a:ln w="6350">
+            <a:solidFill>
+              <a:srgbClr val="FF0000"/>
+            </a:solidFill>
+            <a:headEnd w="sm" len="sm"/>
+            <a:tailEnd type="arrow" w="sm" len="sm"/>
+          </a:ln>
+        </p:spPr>
+        <p:style>
+          <a:lnRef idx="2">
+            <a:schemeClr val="accent1"/>
+          </a:lnRef>
+          <a:fillRef idx="0">
+            <a:schemeClr val="accent1"/>
+          </a:fillRef>
+          <a:effectRef idx="1">
+            <a:schemeClr val="accent1"/>
+          </a:effectRef>
+          <a:fontRef idx="minor">
+            <a:schemeClr val="tx1"/>
+          </a:fontRef>
+        </p:style>
+      </p:cxnSp>
+      <p:sp>
+        <p:nvSpPr>
+          <p:cNvPr id="132" name="TextBox 131">
+            <a:extLst>
+              <a:ext uri="{FF2B5EF4-FFF2-40B4-BE49-F238E27FC236}">
+                <a16:creationId xmlns:a16="http://schemas.microsoft.com/office/drawing/2014/main" id="{A5817E9D-9EEE-40D4-C99C-E816505D890B}"/>
+              </a:ext>
+            </a:extLst>
+          </p:cNvPr>
+          <p:cNvSpPr txBox="1"/>
+          <p:nvPr/>
+        </p:nvSpPr>
+        <p:spPr>
+          <a:xfrm>
+            <a:off x="2871081" y="1270875"/>
+            <a:ext cx="75342" cy="153888"/>
+          </a:xfrm>
+          <a:prstGeom prst="rect">
+            <a:avLst/>
+          </a:prstGeom>
+          <a:noFill/>
+        </p:spPr>
+        <p:txBody>
+          <a:bodyPr wrap="none" lIns="0" tIns="0" rIns="0" bIns="0" rtlCol="0">
+            <a:spAutoFit/>
+          </a:bodyPr>
+          <a:lstStyle/>
+          <a:p>
+            <a:r>
+              <a:rPr lang="en-US" sz="1000"/>
+              <a:t>B</a:t>
+            </a:r>
+            <a:endParaRPr lang="en-KR" sz="1000" dirty="0"/>
+          </a:p>
+        </p:txBody>
+      </p:sp>
+      <p:cxnSp>
+        <p:nvCxnSpPr>
+          <p:cNvPr id="135" name="Straight Connector 23">
+            <a:extLst>
+              <a:ext uri="{FF2B5EF4-FFF2-40B4-BE49-F238E27FC236}">
+                <a16:creationId xmlns:a16="http://schemas.microsoft.com/office/drawing/2014/main" id="{FAEEC4FC-DBF6-7C31-846E-42BFF0B1981F}"/>
+              </a:ext>
+            </a:extLst>
+          </p:cNvPr>
+          <p:cNvCxnSpPr>
+            <a:cxnSpLocks/>
+            <a:stCxn id="130" idx="6"/>
+            <a:endCxn id="119" idx="3"/>
+          </p:cNvCxnSpPr>
+          <p:nvPr/>
+        </p:nvCxnSpPr>
+        <p:spPr>
+          <a:xfrm flipV="1">
+            <a:off x="3039178" y="1514843"/>
+            <a:ext cx="442829" cy="221747"/>
+          </a:xfrm>
+          <a:prstGeom prst="straightConnector1">
+            <a:avLst/>
+          </a:prstGeom>
+          <a:ln w="6350">
+            <a:solidFill>
+              <a:srgbClr val="FF0000"/>
+            </a:solidFill>
+            <a:headEnd w="sm" len="sm"/>
+            <a:tailEnd type="arrow" w="sm" len="sm"/>
+          </a:ln>
+        </p:spPr>
+        <p:style>
+          <a:lnRef idx="2">
+            <a:schemeClr val="accent1"/>
+          </a:lnRef>
+          <a:fillRef idx="0">
+            <a:schemeClr val="accent1"/>
+          </a:fillRef>
+          <a:effectRef idx="1">
+            <a:schemeClr val="accent1"/>
+          </a:effectRef>
+          <a:fontRef idx="minor">
+            <a:schemeClr val="tx1"/>
+          </a:fontRef>
+        </p:style>
+      </p:cxnSp>
+      <p:sp>
+        <p:nvSpPr>
+          <p:cNvPr id="136" name="TextBox 135">
+            <a:extLst>
+              <a:ext uri="{FF2B5EF4-FFF2-40B4-BE49-F238E27FC236}">
+                <a16:creationId xmlns:a16="http://schemas.microsoft.com/office/drawing/2014/main" id="{93C6506E-8F7F-212D-EDF9-232C9682DCAD}"/>
+              </a:ext>
+            </a:extLst>
+          </p:cNvPr>
+          <p:cNvSpPr txBox="1"/>
+          <p:nvPr/>
+        </p:nvSpPr>
+        <p:spPr>
+          <a:xfrm>
+            <a:off x="3198498" y="1672306"/>
+            <a:ext cx="195566" cy="153888"/>
+          </a:xfrm>
+          <a:prstGeom prst="rect">
+            <a:avLst/>
+          </a:prstGeom>
+          <a:noFill/>
+        </p:spPr>
+        <p:txBody>
+          <a:bodyPr wrap="none" lIns="0" tIns="0" rIns="0" bIns="0" rtlCol="0">
+            <a:spAutoFit/>
+          </a:bodyPr>
+          <a:lstStyle/>
+          <a:p>
+            <a:r>
+              <a:rPr lang="en-US" sz="1000"/>
+              <a:t>P( )</a:t>
             </a:r>
             <a:endParaRPr lang="en-KR" sz="1000" dirty="0"/>
           </a:p>
